--- a/Slides/ML_3_LogisticRegression.pptx
+++ b/Slides/ML_3_LogisticRegression.pptx
@@ -13233,7 +13233,7 @@
           <a:noFill/>
           <a:extLst>
             <a:ext uri="{909E8E84-426E-40dd-AFC4-6F175D3DCCD1}">
-              <a14:hiddenFill xmlns:a14="http://schemas.microsoft.com/office/drawing/2010/main" xmlns="">
+              <a14:hiddenFill xmlns="" xmlns:a14="http://schemas.microsoft.com/office/drawing/2010/main">
                 <a:solidFill>
                   <a:srgbClr val="FFFFFF"/>
                 </a:solidFill>
@@ -13292,7 +13292,7 @@
             </a:ln>
             <a:extLst>
               <a:ext uri="{91240B29-F687-4f45-9708-019B960494DF}">
-                <a14:hiddenLine xmlns:a14="http://schemas.microsoft.com/office/drawing/2010/main" xmlns="" w="9525">
+                <a14:hiddenLine xmlns="" xmlns:a14="http://schemas.microsoft.com/office/drawing/2010/main" w="9525">
                   <a:solidFill>
                     <a:srgbClr val="000000"/>
                   </a:solidFill>
@@ -13382,7 +13382,7 @@
             </a:ln>
             <a:extLst>
               <a:ext uri="{91240B29-F687-4f45-9708-019B960494DF}">
-                <a14:hiddenLine xmlns:a14="http://schemas.microsoft.com/office/drawing/2010/main" xmlns="" w="9525">
+                <a14:hiddenLine xmlns="" xmlns:a14="http://schemas.microsoft.com/office/drawing/2010/main" w="9525">
                   <a:solidFill>
                     <a:srgbClr val="000000"/>
                   </a:solidFill>
@@ -13472,7 +13472,7 @@
             </a:ln>
             <a:extLst>
               <a:ext uri="{91240B29-F687-4f45-9708-019B960494DF}">
-                <a14:hiddenLine xmlns:a14="http://schemas.microsoft.com/office/drawing/2010/main" xmlns="" w="9525">
+                <a14:hiddenLine xmlns="" xmlns:a14="http://schemas.microsoft.com/office/drawing/2010/main" w="9525">
                   <a:solidFill>
                     <a:srgbClr val="000000"/>
                   </a:solidFill>
@@ -13506,7 +13506,7 @@
             </a:ln>
             <a:extLst>
               <a:ext uri="{91240B29-F687-4f45-9708-019B960494DF}">
-                <a14:hiddenLine xmlns:a14="http://schemas.microsoft.com/office/drawing/2010/main" xmlns="" w="9525">
+                <a14:hiddenLine xmlns="" xmlns:a14="http://schemas.microsoft.com/office/drawing/2010/main" w="9525">
                   <a:solidFill>
                     <a:srgbClr val="000000"/>
                   </a:solidFill>
@@ -13596,7 +13596,7 @@
             </a:ln>
             <a:extLst>
               <a:ext uri="{91240B29-F687-4f45-9708-019B960494DF}">
-                <a14:hiddenLine xmlns:a14="http://schemas.microsoft.com/office/drawing/2010/main" xmlns="" w="9525">
+                <a14:hiddenLine xmlns="" xmlns:a14="http://schemas.microsoft.com/office/drawing/2010/main" w="9525">
                   <a:solidFill>
                     <a:srgbClr val="000000"/>
                   </a:solidFill>
@@ -13658,7 +13658,7 @@
             </a:ln>
             <a:extLst>
               <a:ext uri="{91240B29-F687-4f45-9708-019B960494DF}">
-                <a14:hiddenLine xmlns:a14="http://schemas.microsoft.com/office/drawing/2010/main" xmlns="" w="9525">
+                <a14:hiddenLine xmlns="" xmlns:a14="http://schemas.microsoft.com/office/drawing/2010/main" w="9525">
                   <a:solidFill>
                     <a:srgbClr val="000000"/>
                   </a:solidFill>
@@ -13720,7 +13720,7 @@
             </a:ln>
             <a:extLst>
               <a:ext uri="{91240B29-F687-4f45-9708-019B960494DF}">
-                <a14:hiddenLine xmlns:a14="http://schemas.microsoft.com/office/drawing/2010/main" xmlns="" w="9525">
+                <a14:hiddenLine xmlns="" xmlns:a14="http://schemas.microsoft.com/office/drawing/2010/main" w="9525">
                   <a:solidFill>
                     <a:srgbClr val="000000"/>
                   </a:solidFill>
@@ -13810,7 +13810,7 @@
             </a:ln>
             <a:extLst>
               <a:ext uri="{91240B29-F687-4f45-9708-019B960494DF}">
-                <a14:hiddenLine xmlns:a14="http://schemas.microsoft.com/office/drawing/2010/main" xmlns="" w="9525">
+                <a14:hiddenLine xmlns="" xmlns:a14="http://schemas.microsoft.com/office/drawing/2010/main" w="9525">
                   <a:solidFill>
                     <a:srgbClr val="000000"/>
                   </a:solidFill>
@@ -13872,7 +13872,7 @@
             </a:ln>
             <a:extLst>
               <a:ext uri="{91240B29-F687-4f45-9708-019B960494DF}">
-                <a14:hiddenLine xmlns:a14="http://schemas.microsoft.com/office/drawing/2010/main" xmlns="" w="9525">
+                <a14:hiddenLine xmlns="" xmlns:a14="http://schemas.microsoft.com/office/drawing/2010/main" w="9525">
                   <a:solidFill>
                     <a:srgbClr val="000000"/>
                   </a:solidFill>
@@ -13934,7 +13934,7 @@
             </a:ln>
             <a:extLst>
               <a:ext uri="{91240B29-F687-4f45-9708-019B960494DF}">
-                <a14:hiddenLine xmlns:a14="http://schemas.microsoft.com/office/drawing/2010/main" xmlns="" w="9525">
+                <a14:hiddenLine xmlns="" xmlns:a14="http://schemas.microsoft.com/office/drawing/2010/main" w="9525">
                   <a:solidFill>
                     <a:srgbClr val="000000"/>
                   </a:solidFill>
@@ -14024,7 +14024,7 @@
             </a:ln>
             <a:extLst>
               <a:ext uri="{91240B29-F687-4f45-9708-019B960494DF}">
-                <a14:hiddenLine xmlns:a14="http://schemas.microsoft.com/office/drawing/2010/main" xmlns="" w="9525">
+                <a14:hiddenLine xmlns="" xmlns:a14="http://schemas.microsoft.com/office/drawing/2010/main" w="9525">
                   <a:solidFill>
                     <a:srgbClr val="000000"/>
                   </a:solidFill>
@@ -14114,7 +14114,7 @@
             </a:ln>
             <a:extLst>
               <a:ext uri="{91240B29-F687-4f45-9708-019B960494DF}">
-                <a14:hiddenLine xmlns:a14="http://schemas.microsoft.com/office/drawing/2010/main" xmlns="" w="9525">
+                <a14:hiddenLine xmlns="" xmlns:a14="http://schemas.microsoft.com/office/drawing/2010/main" w="9525">
                   <a:solidFill>
                     <a:srgbClr val="000000"/>
                   </a:solidFill>
@@ -14176,7 +14176,7 @@
             </a:ln>
             <a:extLst>
               <a:ext uri="{91240B29-F687-4f45-9708-019B960494DF}">
-                <a14:hiddenLine xmlns:a14="http://schemas.microsoft.com/office/drawing/2010/main" xmlns="" w="9525">
+                <a14:hiddenLine xmlns="" xmlns:a14="http://schemas.microsoft.com/office/drawing/2010/main" w="9525">
                   <a:solidFill>
                     <a:srgbClr val="000000"/>
                   </a:solidFill>
@@ -14286,7 +14286,7 @@
             </a:ln>
             <a:extLst>
               <a:ext uri="{91240B29-F687-4f45-9708-019B960494DF}">
-                <a14:hiddenLine xmlns:a14="http://schemas.microsoft.com/office/drawing/2010/main" xmlns="" w="9525">
+                <a14:hiddenLine xmlns="" xmlns:a14="http://schemas.microsoft.com/office/drawing/2010/main" w="9525">
                   <a:solidFill>
                     <a:srgbClr val="000000"/>
                   </a:solidFill>
@@ -14348,7 +14348,7 @@
             </a:ln>
             <a:extLst>
               <a:ext uri="{91240B29-F687-4f45-9708-019B960494DF}">
-                <a14:hiddenLine xmlns:a14="http://schemas.microsoft.com/office/drawing/2010/main" xmlns="" w="9525">
+                <a14:hiddenLine xmlns="" xmlns:a14="http://schemas.microsoft.com/office/drawing/2010/main" w="9525">
                   <a:solidFill>
                     <a:srgbClr val="000000"/>
                   </a:solidFill>
@@ -14438,7 +14438,7 @@
             </a:ln>
             <a:extLst>
               <a:ext uri="{91240B29-F687-4f45-9708-019B960494DF}">
-                <a14:hiddenLine xmlns:a14="http://schemas.microsoft.com/office/drawing/2010/main" xmlns="" w="9525">
+                <a14:hiddenLine xmlns="" xmlns:a14="http://schemas.microsoft.com/office/drawing/2010/main" w="9525">
                   <a:solidFill>
                     <a:srgbClr val="000000"/>
                   </a:solidFill>
@@ -14528,7 +14528,7 @@
             </a:ln>
             <a:extLst>
               <a:ext uri="{91240B29-F687-4f45-9708-019B960494DF}">
-                <a14:hiddenLine xmlns:a14="http://schemas.microsoft.com/office/drawing/2010/main" xmlns="" w="9525">
+                <a14:hiddenLine xmlns="" xmlns:a14="http://schemas.microsoft.com/office/drawing/2010/main" w="9525">
                   <a:solidFill>
                     <a:srgbClr val="000000"/>
                   </a:solidFill>
@@ -14590,7 +14590,7 @@
             </a:ln>
             <a:extLst>
               <a:ext uri="{91240B29-F687-4f45-9708-019B960494DF}">
-                <a14:hiddenLine xmlns:a14="http://schemas.microsoft.com/office/drawing/2010/main" xmlns="" w="9525">
+                <a14:hiddenLine xmlns="" xmlns:a14="http://schemas.microsoft.com/office/drawing/2010/main" w="9525">
                   <a:solidFill>
                     <a:srgbClr val="000000"/>
                   </a:solidFill>
@@ -14680,7 +14680,7 @@
             </a:ln>
             <a:extLst>
               <a:ext uri="{91240B29-F687-4f45-9708-019B960494DF}">
-                <a14:hiddenLine xmlns:a14="http://schemas.microsoft.com/office/drawing/2010/main" xmlns="" w="9525">
+                <a14:hiddenLine xmlns="" xmlns:a14="http://schemas.microsoft.com/office/drawing/2010/main" w="9525">
                   <a:solidFill>
                     <a:srgbClr val="000000"/>
                   </a:solidFill>
@@ -14770,7 +14770,7 @@
             </a:ln>
             <a:extLst>
               <a:ext uri="{91240B29-F687-4f45-9708-019B960494DF}">
-                <a14:hiddenLine xmlns:a14="http://schemas.microsoft.com/office/drawing/2010/main" xmlns="" w="9525">
+                <a14:hiddenLine xmlns="" xmlns:a14="http://schemas.microsoft.com/office/drawing/2010/main" w="9525">
                   <a:solidFill>
                     <a:srgbClr val="000000"/>
                   </a:solidFill>
@@ -14826,7 +14826,7 @@
             </a:ln>
             <a:extLst>
               <a:ext uri="{91240B29-F687-4f45-9708-019B960494DF}">
-                <a14:hiddenLine xmlns:a14="http://schemas.microsoft.com/office/drawing/2010/main" xmlns="" w="9525">
+                <a14:hiddenLine xmlns="" xmlns:a14="http://schemas.microsoft.com/office/drawing/2010/main" w="9525">
                   <a:solidFill>
                     <a:srgbClr val="000000"/>
                   </a:solidFill>
@@ -14916,7 +14916,7 @@
             </a:ln>
             <a:extLst>
               <a:ext uri="{91240B29-F687-4f45-9708-019B960494DF}">
-                <a14:hiddenLine xmlns:a14="http://schemas.microsoft.com/office/drawing/2010/main" xmlns="" w="9525">
+                <a14:hiddenLine xmlns="" xmlns:a14="http://schemas.microsoft.com/office/drawing/2010/main" w="9525">
                   <a:solidFill>
                     <a:srgbClr val="000000"/>
                   </a:solidFill>
@@ -14972,7 +14972,7 @@
             </a:ln>
             <a:extLst>
               <a:ext uri="{91240B29-F687-4f45-9708-019B960494DF}">
-                <a14:hiddenLine xmlns:a14="http://schemas.microsoft.com/office/drawing/2010/main" xmlns="" w="9525">
+                <a14:hiddenLine xmlns="" xmlns:a14="http://schemas.microsoft.com/office/drawing/2010/main" w="9525">
                   <a:solidFill>
                     <a:srgbClr val="000000"/>
                   </a:solidFill>
@@ -15062,7 +15062,7 @@
             </a:ln>
             <a:extLst>
               <a:ext uri="{91240B29-F687-4f45-9708-019B960494DF}">
-                <a14:hiddenLine xmlns:a14="http://schemas.microsoft.com/office/drawing/2010/main" xmlns="" w="9525">
+                <a14:hiddenLine xmlns="" xmlns:a14="http://schemas.microsoft.com/office/drawing/2010/main" w="9525">
                   <a:solidFill>
                     <a:srgbClr val="000000"/>
                   </a:solidFill>
@@ -15130,7 +15130,7 @@
             </a:ln>
             <a:extLst>
               <a:ext uri="{91240B29-F687-4f45-9708-019B960494DF}">
-                <a14:hiddenLine xmlns:a14="http://schemas.microsoft.com/office/drawing/2010/main" xmlns="" w="9525">
+                <a14:hiddenLine xmlns="" xmlns:a14="http://schemas.microsoft.com/office/drawing/2010/main" w="9525">
                   <a:solidFill>
                     <a:srgbClr val="000000"/>
                   </a:solidFill>
@@ -15220,7 +15220,7 @@
             </a:ln>
             <a:extLst>
               <a:ext uri="{91240B29-F687-4f45-9708-019B960494DF}">
-                <a14:hiddenLine xmlns:a14="http://schemas.microsoft.com/office/drawing/2010/main" xmlns="" w="9525">
+                <a14:hiddenLine xmlns="" xmlns:a14="http://schemas.microsoft.com/office/drawing/2010/main" w="9525">
                   <a:solidFill>
                     <a:srgbClr val="000000"/>
                   </a:solidFill>
@@ -15288,7 +15288,7 @@
             </a:ln>
             <a:extLst>
               <a:ext uri="{91240B29-F687-4f45-9708-019B960494DF}">
-                <a14:hiddenLine xmlns:a14="http://schemas.microsoft.com/office/drawing/2010/main" xmlns="" w="9525">
+                <a14:hiddenLine xmlns="" xmlns:a14="http://schemas.microsoft.com/office/drawing/2010/main" w="9525">
                   <a:solidFill>
                     <a:srgbClr val="000000"/>
                   </a:solidFill>
@@ -15378,7 +15378,7 @@
             </a:ln>
             <a:extLst>
               <a:ext uri="{91240B29-F687-4f45-9708-019B960494DF}">
-                <a14:hiddenLine xmlns:a14="http://schemas.microsoft.com/office/drawing/2010/main" xmlns="" w="9525">
+                <a14:hiddenLine xmlns="" xmlns:a14="http://schemas.microsoft.com/office/drawing/2010/main" w="9525">
                   <a:solidFill>
                     <a:srgbClr val="000000"/>
                   </a:solidFill>
@@ -15412,7 +15412,7 @@
             </a:ln>
             <a:extLst>
               <a:ext uri="{91240B29-F687-4f45-9708-019B960494DF}">
-                <a14:hiddenLine xmlns:a14="http://schemas.microsoft.com/office/drawing/2010/main" xmlns="" w="9525">
+                <a14:hiddenLine xmlns="" xmlns:a14="http://schemas.microsoft.com/office/drawing/2010/main" w="9525">
                   <a:solidFill>
                     <a:srgbClr val="000000"/>
                   </a:solidFill>
@@ -15502,7 +15502,7 @@
             </a:ln>
             <a:extLst>
               <a:ext uri="{91240B29-F687-4f45-9708-019B960494DF}">
-                <a14:hiddenLine xmlns:a14="http://schemas.microsoft.com/office/drawing/2010/main" xmlns="" w="9525">
+                <a14:hiddenLine xmlns="" xmlns:a14="http://schemas.microsoft.com/office/drawing/2010/main" w="9525">
                   <a:solidFill>
                     <a:srgbClr val="000000"/>
                   </a:solidFill>
@@ -15564,7 +15564,7 @@
             </a:ln>
             <a:extLst>
               <a:ext uri="{91240B29-F687-4f45-9708-019B960494DF}">
-                <a14:hiddenLine xmlns:a14="http://schemas.microsoft.com/office/drawing/2010/main" xmlns="" w="9525">
+                <a14:hiddenLine xmlns="" xmlns:a14="http://schemas.microsoft.com/office/drawing/2010/main" w="9525">
                   <a:solidFill>
                     <a:srgbClr val="000000"/>
                   </a:solidFill>
@@ -15626,7 +15626,7 @@
             </a:ln>
             <a:extLst>
               <a:ext uri="{91240B29-F687-4f45-9708-019B960494DF}">
-                <a14:hiddenLine xmlns:a14="http://schemas.microsoft.com/office/drawing/2010/main" xmlns="" w="9525">
+                <a14:hiddenLine xmlns="" xmlns:a14="http://schemas.microsoft.com/office/drawing/2010/main" w="9525">
                   <a:solidFill>
                     <a:srgbClr val="000000"/>
                   </a:solidFill>
@@ -15716,7 +15716,7 @@
             </a:ln>
             <a:extLst>
               <a:ext uri="{91240B29-F687-4f45-9708-019B960494DF}">
-                <a14:hiddenLine xmlns:a14="http://schemas.microsoft.com/office/drawing/2010/main" xmlns="" w="9525">
+                <a14:hiddenLine xmlns="" xmlns:a14="http://schemas.microsoft.com/office/drawing/2010/main" w="9525">
                   <a:solidFill>
                     <a:srgbClr val="000000"/>
                   </a:solidFill>
@@ -15784,7 +15784,7 @@
             </a:ln>
             <a:extLst>
               <a:ext uri="{91240B29-F687-4f45-9708-019B960494DF}">
-                <a14:hiddenLine xmlns:a14="http://schemas.microsoft.com/office/drawing/2010/main" xmlns="" w="9525">
+                <a14:hiddenLine xmlns="" xmlns:a14="http://schemas.microsoft.com/office/drawing/2010/main" w="9525">
                   <a:solidFill>
                     <a:srgbClr val="000000"/>
                   </a:solidFill>
@@ -15846,7 +15846,7 @@
             </a:ln>
             <a:extLst>
               <a:ext uri="{91240B29-F687-4f45-9708-019B960494DF}">
-                <a14:hiddenLine xmlns:a14="http://schemas.microsoft.com/office/drawing/2010/main" xmlns="" w="9525">
+                <a14:hiddenLine xmlns="" xmlns:a14="http://schemas.microsoft.com/office/drawing/2010/main" w="9525">
                   <a:solidFill>
                     <a:srgbClr val="000000"/>
                   </a:solidFill>
@@ -15936,7 +15936,7 @@
             </a:ln>
             <a:extLst>
               <a:ext uri="{91240B29-F687-4f45-9708-019B960494DF}">
-                <a14:hiddenLine xmlns:a14="http://schemas.microsoft.com/office/drawing/2010/main" xmlns="" w="9525">
+                <a14:hiddenLine xmlns="" xmlns:a14="http://schemas.microsoft.com/office/drawing/2010/main" w="9525">
                   <a:solidFill>
                     <a:srgbClr val="000000"/>
                   </a:solidFill>
@@ -15998,7 +15998,7 @@
             </a:ln>
             <a:extLst>
               <a:ext uri="{91240B29-F687-4f45-9708-019B960494DF}">
-                <a14:hiddenLine xmlns:a14="http://schemas.microsoft.com/office/drawing/2010/main" xmlns="" w="9525">
+                <a14:hiddenLine xmlns="" xmlns:a14="http://schemas.microsoft.com/office/drawing/2010/main" w="9525">
                   <a:solidFill>
                     <a:srgbClr val="000000"/>
                   </a:solidFill>
@@ -16088,7 +16088,7 @@
             </a:ln>
             <a:extLst>
               <a:ext uri="{91240B29-F687-4f45-9708-019B960494DF}">
-                <a14:hiddenLine xmlns:a14="http://schemas.microsoft.com/office/drawing/2010/main" xmlns="" w="9525">
+                <a14:hiddenLine xmlns="" xmlns:a14="http://schemas.microsoft.com/office/drawing/2010/main" w="9525">
                   <a:solidFill>
                     <a:srgbClr val="000000"/>
                   </a:solidFill>
@@ -16150,7 +16150,7 @@
             </a:ln>
             <a:extLst>
               <a:ext uri="{91240B29-F687-4f45-9708-019B960494DF}">
-                <a14:hiddenLine xmlns:a14="http://schemas.microsoft.com/office/drawing/2010/main" xmlns="" w="9525">
+                <a14:hiddenLine xmlns="" xmlns:a14="http://schemas.microsoft.com/office/drawing/2010/main" w="9525">
                   <a:solidFill>
                     <a:srgbClr val="000000"/>
                   </a:solidFill>
@@ -16240,7 +16240,7 @@
             </a:ln>
             <a:extLst>
               <a:ext uri="{91240B29-F687-4f45-9708-019B960494DF}">
-                <a14:hiddenLine xmlns:a14="http://schemas.microsoft.com/office/drawing/2010/main" xmlns="" w="9525">
+                <a14:hiddenLine xmlns="" xmlns:a14="http://schemas.microsoft.com/office/drawing/2010/main" w="9525">
                   <a:solidFill>
                     <a:srgbClr val="000000"/>
                   </a:solidFill>
@@ -16274,7 +16274,7 @@
             </a:ln>
             <a:extLst>
               <a:ext uri="{91240B29-F687-4f45-9708-019B960494DF}">
-                <a14:hiddenLine xmlns:a14="http://schemas.microsoft.com/office/drawing/2010/main" xmlns="" w="9525">
+                <a14:hiddenLine xmlns="" xmlns:a14="http://schemas.microsoft.com/office/drawing/2010/main" w="9525">
                   <a:solidFill>
                     <a:srgbClr val="000000"/>
                   </a:solidFill>
@@ -16339,7 +16339,7 @@
             </a:ln>
             <a:extLst>
               <a:ext uri="{91240B29-F687-4f45-9708-019B960494DF}">
-                <a14:hiddenLine xmlns:a14="http://schemas.microsoft.com/office/drawing/2010/main" xmlns="" w="9525">
+                <a14:hiddenLine xmlns="" xmlns:a14="http://schemas.microsoft.com/office/drawing/2010/main" w="9525">
                   <a:solidFill>
                     <a:srgbClr val="000000"/>
                   </a:solidFill>
@@ -16429,7 +16429,7 @@
             </a:ln>
             <a:extLst>
               <a:ext uri="{91240B29-F687-4f45-9708-019B960494DF}">
-                <a14:hiddenLine xmlns:a14="http://schemas.microsoft.com/office/drawing/2010/main" xmlns="" w="9525">
+                <a14:hiddenLine xmlns="" xmlns:a14="http://schemas.microsoft.com/office/drawing/2010/main" w="9525">
                   <a:solidFill>
                     <a:srgbClr val="000000"/>
                   </a:solidFill>
@@ -16491,7 +16491,7 @@
             </a:ln>
             <a:extLst>
               <a:ext uri="{91240B29-F687-4f45-9708-019B960494DF}">
-                <a14:hiddenLine xmlns:a14="http://schemas.microsoft.com/office/drawing/2010/main" xmlns="" w="9525">
+                <a14:hiddenLine xmlns="" xmlns:a14="http://schemas.microsoft.com/office/drawing/2010/main" w="9525">
                   <a:solidFill>
                     <a:srgbClr val="000000"/>
                   </a:solidFill>
@@ -16581,7 +16581,7 @@
             </a:ln>
             <a:extLst>
               <a:ext uri="{91240B29-F687-4f45-9708-019B960494DF}">
-                <a14:hiddenLine xmlns:a14="http://schemas.microsoft.com/office/drawing/2010/main" xmlns="" w="9525">
+                <a14:hiddenLine xmlns="" xmlns:a14="http://schemas.microsoft.com/office/drawing/2010/main" w="9525">
                   <a:solidFill>
                     <a:srgbClr val="000000"/>
                   </a:solidFill>
@@ -16671,7 +16671,7 @@
             </a:ln>
             <a:extLst>
               <a:ext uri="{91240B29-F687-4f45-9708-019B960494DF}">
-                <a14:hiddenLine xmlns:a14="http://schemas.microsoft.com/office/drawing/2010/main" xmlns="" w="9525">
+                <a14:hiddenLine xmlns="" xmlns:a14="http://schemas.microsoft.com/office/drawing/2010/main" w="9525">
                   <a:solidFill>
                     <a:srgbClr val="000000"/>
                   </a:solidFill>
@@ -16736,7 +16736,7 @@
             </a:ln>
             <a:extLst>
               <a:ext uri="{91240B29-F687-4f45-9708-019B960494DF}">
-                <a14:hiddenLine xmlns:a14="http://schemas.microsoft.com/office/drawing/2010/main" xmlns="" w="9525">
+                <a14:hiddenLine xmlns="" xmlns:a14="http://schemas.microsoft.com/office/drawing/2010/main" w="9525">
                   <a:solidFill>
                     <a:srgbClr val="000000"/>
                   </a:solidFill>
@@ -16798,7 +16798,7 @@
             </a:ln>
             <a:extLst>
               <a:ext uri="{91240B29-F687-4f45-9708-019B960494DF}">
-                <a14:hiddenLine xmlns:a14="http://schemas.microsoft.com/office/drawing/2010/main" xmlns="" w="9525">
+                <a14:hiddenLine xmlns="" xmlns:a14="http://schemas.microsoft.com/office/drawing/2010/main" w="9525">
                   <a:solidFill>
                     <a:srgbClr val="000000"/>
                   </a:solidFill>
@@ -16888,7 +16888,7 @@
             </a:ln>
             <a:extLst>
               <a:ext uri="{91240B29-F687-4f45-9708-019B960494DF}">
-                <a14:hiddenLine xmlns:a14="http://schemas.microsoft.com/office/drawing/2010/main" xmlns="" w="9525">
+                <a14:hiddenLine xmlns="" xmlns:a14="http://schemas.microsoft.com/office/drawing/2010/main" w="9525">
                   <a:solidFill>
                     <a:srgbClr val="000000"/>
                   </a:solidFill>
@@ -16978,7 +16978,7 @@
             </a:ln>
             <a:extLst>
               <a:ext uri="{91240B29-F687-4f45-9708-019B960494DF}">
-                <a14:hiddenLine xmlns:a14="http://schemas.microsoft.com/office/drawing/2010/main" xmlns="" w="9525">
+                <a14:hiddenLine xmlns="" xmlns:a14="http://schemas.microsoft.com/office/drawing/2010/main" w="9525">
                   <a:solidFill>
                     <a:srgbClr val="000000"/>
                   </a:solidFill>
@@ -17040,7 +17040,7 @@
             </a:ln>
             <a:extLst>
               <a:ext uri="{91240B29-F687-4f45-9708-019B960494DF}">
-                <a14:hiddenLine xmlns:a14="http://schemas.microsoft.com/office/drawing/2010/main" xmlns="" w="9525">
+                <a14:hiddenLine xmlns="" xmlns:a14="http://schemas.microsoft.com/office/drawing/2010/main" w="9525">
                   <a:solidFill>
                     <a:srgbClr val="000000"/>
                   </a:solidFill>
@@ -17160,7 +17160,7 @@
             </a:ln>
             <a:extLst>
               <a:ext uri="{91240B29-F687-4f45-9708-019B960494DF}">
-                <a14:hiddenLine xmlns:a14="http://schemas.microsoft.com/office/drawing/2010/main" xmlns="" w="9525">
+                <a14:hiddenLine xmlns="" xmlns:a14="http://schemas.microsoft.com/office/drawing/2010/main" w="9525">
                   <a:solidFill>
                     <a:srgbClr val="000000"/>
                   </a:solidFill>
@@ -17228,7 +17228,7 @@
             </a:ln>
             <a:extLst>
               <a:ext uri="{91240B29-F687-4f45-9708-019B960494DF}">
-                <a14:hiddenLine xmlns:a14="http://schemas.microsoft.com/office/drawing/2010/main" xmlns="" w="9525">
+                <a14:hiddenLine xmlns="" xmlns:a14="http://schemas.microsoft.com/office/drawing/2010/main" w="9525">
                   <a:solidFill>
                     <a:srgbClr val="000000"/>
                   </a:solidFill>
@@ -17318,7 +17318,7 @@
             </a:ln>
             <a:extLst>
               <a:ext uri="{91240B29-F687-4f45-9708-019B960494DF}">
-                <a14:hiddenLine xmlns:a14="http://schemas.microsoft.com/office/drawing/2010/main" xmlns="" w="9525">
+                <a14:hiddenLine xmlns="" xmlns:a14="http://schemas.microsoft.com/office/drawing/2010/main" w="9525">
                   <a:solidFill>
                     <a:srgbClr val="000000"/>
                   </a:solidFill>
@@ -17458,7 +17458,7 @@
           <a:p>
             <a:fld id="{34385ADE-30C0-45E4-B40B-2905F94F61E2}" type="datetimeFigureOut">
               <a:rPr lang="en-US" smtClean="0"/>
-              <a:t>8/8/2020</a:t>
+              <a:t>8/9/2020</a:t>
             </a:fld>
             <a:endParaRPr lang="en-US"/>
           </a:p>
@@ -17725,7 +17725,7 @@
           <a:p>
             <a:fld id="{34385ADE-30C0-45E4-B40B-2905F94F61E2}" type="datetimeFigureOut">
               <a:rPr lang="en-US" smtClean="0"/>
-              <a:t>8/8/2020</a:t>
+              <a:t>8/9/2020</a:t>
             </a:fld>
             <a:endParaRPr lang="en-US"/>
           </a:p>
@@ -17921,7 +17921,7 @@
           <a:p>
             <a:fld id="{34385ADE-30C0-45E4-B40B-2905F94F61E2}" type="datetimeFigureOut">
               <a:rPr lang="en-US" smtClean="0"/>
-              <a:t>8/8/2020</a:t>
+              <a:t>8/9/2020</a:t>
             </a:fld>
             <a:endParaRPr lang="en-US"/>
           </a:p>
@@ -18184,7 +18184,7 @@
           <a:p>
             <a:fld id="{34385ADE-30C0-45E4-B40B-2905F94F61E2}" type="datetimeFigureOut">
               <a:rPr lang="en-US" smtClean="0"/>
-              <a:t>8/8/2020</a:t>
+              <a:t>8/9/2020</a:t>
             </a:fld>
             <a:endParaRPr lang="en-US"/>
           </a:p>
@@ -18618,7 +18618,7 @@
           <a:p>
             <a:fld id="{34385ADE-30C0-45E4-B40B-2905F94F61E2}" type="datetimeFigureOut">
               <a:rPr lang="en-US" smtClean="0"/>
-              <a:t>8/8/2020</a:t>
+              <a:t>8/9/2020</a:t>
             </a:fld>
             <a:endParaRPr lang="en-US"/>
           </a:p>
@@ -19164,7 +19164,7 @@
           <a:p>
             <a:fld id="{34385ADE-30C0-45E4-B40B-2905F94F61E2}" type="datetimeFigureOut">
               <a:rPr lang="en-US" smtClean="0"/>
-              <a:t>8/8/2020</a:t>
+              <a:t>8/9/2020</a:t>
             </a:fld>
             <a:endParaRPr lang="en-US"/>
           </a:p>
@@ -19884,7 +19884,7 @@
           <a:p>
             <a:fld id="{34385ADE-30C0-45E4-B40B-2905F94F61E2}" type="datetimeFigureOut">
               <a:rPr lang="en-US" smtClean="0"/>
-              <a:t>8/8/2020</a:t>
+              <a:t>8/9/2020</a:t>
             </a:fld>
             <a:endParaRPr lang="en-US"/>
           </a:p>
@@ -20054,7 +20054,7 @@
           <a:p>
             <a:fld id="{34385ADE-30C0-45E4-B40B-2905F94F61E2}" type="datetimeFigureOut">
               <a:rPr lang="en-US" smtClean="0"/>
-              <a:t>8/8/2020</a:t>
+              <a:t>8/9/2020</a:t>
             </a:fld>
             <a:endParaRPr lang="en-US"/>
           </a:p>
@@ -20234,7 +20234,7 @@
           <a:p>
             <a:fld id="{34385ADE-30C0-45E4-B40B-2905F94F61E2}" type="datetimeFigureOut">
               <a:rPr lang="en-US" smtClean="0"/>
-              <a:t>8/8/2020</a:t>
+              <a:t>8/9/2020</a:t>
             </a:fld>
             <a:endParaRPr lang="en-US"/>
           </a:p>
@@ -20404,7 +20404,7 @@
           <a:p>
             <a:fld id="{34385ADE-30C0-45E4-B40B-2905F94F61E2}" type="datetimeFigureOut">
               <a:rPr lang="en-US" smtClean="0"/>
-              <a:t>8/8/2020</a:t>
+              <a:t>8/9/2020</a:t>
             </a:fld>
             <a:endParaRPr lang="en-US"/>
           </a:p>
@@ -20654,7 +20654,7 @@
           <a:p>
             <a:fld id="{34385ADE-30C0-45E4-B40B-2905F94F61E2}" type="datetimeFigureOut">
               <a:rPr lang="en-US" smtClean="0"/>
-              <a:t>8/8/2020</a:t>
+              <a:t>8/9/2020</a:t>
             </a:fld>
             <a:endParaRPr lang="en-US"/>
           </a:p>
@@ -20886,7 +20886,7 @@
           <a:p>
             <a:fld id="{34385ADE-30C0-45E4-B40B-2905F94F61E2}" type="datetimeFigureOut">
               <a:rPr lang="en-US" smtClean="0"/>
-              <a:t>8/8/2020</a:t>
+              <a:t>8/9/2020</a:t>
             </a:fld>
             <a:endParaRPr lang="en-US"/>
           </a:p>
@@ -21267,7 +21267,7 @@
           <a:p>
             <a:fld id="{34385ADE-30C0-45E4-B40B-2905F94F61E2}" type="datetimeFigureOut">
               <a:rPr lang="en-US" smtClean="0"/>
-              <a:t>8/8/2020</a:t>
+              <a:t>8/9/2020</a:t>
             </a:fld>
             <a:endParaRPr lang="en-US"/>
           </a:p>
@@ -21385,7 +21385,7 @@
           <a:p>
             <a:fld id="{34385ADE-30C0-45E4-B40B-2905F94F61E2}" type="datetimeFigureOut">
               <a:rPr lang="en-US" smtClean="0"/>
-              <a:t>8/8/2020</a:t>
+              <a:t>8/9/2020</a:t>
             </a:fld>
             <a:endParaRPr lang="en-US"/>
           </a:p>
@@ -21480,7 +21480,7 @@
           <a:p>
             <a:fld id="{34385ADE-30C0-45E4-B40B-2905F94F61E2}" type="datetimeFigureOut">
               <a:rPr lang="en-US" smtClean="0"/>
-              <a:t>8/8/2020</a:t>
+              <a:t>8/9/2020</a:t>
             </a:fld>
             <a:endParaRPr lang="en-US"/>
           </a:p>
@@ -21729,7 +21729,7 @@
           <a:p>
             <a:fld id="{34385ADE-30C0-45E4-B40B-2905F94F61E2}" type="datetimeFigureOut">
               <a:rPr lang="en-US" smtClean="0"/>
-              <a:t>8/8/2020</a:t>
+              <a:t>8/9/2020</a:t>
             </a:fld>
             <a:endParaRPr lang="en-US"/>
           </a:p>
@@ -22009,7 +22009,7 @@
           <a:p>
             <a:fld id="{34385ADE-30C0-45E4-B40B-2905F94F61E2}" type="datetimeFigureOut">
               <a:rPr lang="en-US" smtClean="0"/>
-              <a:t>8/8/2020</a:t>
+              <a:t>8/9/2020</a:t>
             </a:fld>
             <a:endParaRPr lang="en-US"/>
           </a:p>
@@ -22132,7 +22132,7 @@
           <a:noFill/>
           <a:extLst>
             <a:ext uri="{909E8E84-426E-40dd-AFC4-6F175D3DCCD1}">
-              <a14:hiddenFill xmlns:a14="http://schemas.microsoft.com/office/drawing/2010/main" xmlns="">
+              <a14:hiddenFill xmlns="" xmlns:a14="http://schemas.microsoft.com/office/drawing/2010/main">
                 <a:solidFill>
                   <a:srgbClr val="FFFFFF"/>
                 </a:solidFill>
@@ -22206,7 +22206,7 @@
               </a:ln>
               <a:extLst>
                 <a:ext uri="{91240B29-F687-4f45-9708-019B960494DF}">
-                  <a14:hiddenLine xmlns:a14="http://schemas.microsoft.com/office/drawing/2010/main" xmlns="" w="9525">
+                  <a14:hiddenLine xmlns="" xmlns:a14="http://schemas.microsoft.com/office/drawing/2010/main" w="9525">
                     <a:solidFill>
                       <a:srgbClr val="000000"/>
                     </a:solidFill>
@@ -22296,7 +22296,7 @@
               </a:ln>
               <a:extLst>
                 <a:ext uri="{91240B29-F687-4f45-9708-019B960494DF}">
-                  <a14:hiddenLine xmlns:a14="http://schemas.microsoft.com/office/drawing/2010/main" xmlns="" w="9525">
+                  <a14:hiddenLine xmlns="" xmlns:a14="http://schemas.microsoft.com/office/drawing/2010/main" w="9525">
                     <a:solidFill>
                       <a:srgbClr val="000000"/>
                     </a:solidFill>
@@ -22386,7 +22386,7 @@
               </a:ln>
               <a:extLst>
                 <a:ext uri="{91240B29-F687-4f45-9708-019B960494DF}">
-                  <a14:hiddenLine xmlns:a14="http://schemas.microsoft.com/office/drawing/2010/main" xmlns="" w="9525">
+                  <a14:hiddenLine xmlns="" xmlns:a14="http://schemas.microsoft.com/office/drawing/2010/main" w="9525">
                     <a:solidFill>
                       <a:srgbClr val="000000"/>
                     </a:solidFill>
@@ -22448,7 +22448,7 @@
               </a:ln>
               <a:extLst>
                 <a:ext uri="{91240B29-F687-4f45-9708-019B960494DF}">
-                  <a14:hiddenLine xmlns:a14="http://schemas.microsoft.com/office/drawing/2010/main" xmlns="" w="9525">
+                  <a14:hiddenLine xmlns="" xmlns:a14="http://schemas.microsoft.com/office/drawing/2010/main" w="9525">
                     <a:solidFill>
                       <a:srgbClr val="000000"/>
                     </a:solidFill>
@@ -22538,7 +22538,7 @@
               </a:ln>
               <a:extLst>
                 <a:ext uri="{91240B29-F687-4f45-9708-019B960494DF}">
-                  <a14:hiddenLine xmlns:a14="http://schemas.microsoft.com/office/drawing/2010/main" xmlns="" w="9525">
+                  <a14:hiddenLine xmlns="" xmlns:a14="http://schemas.microsoft.com/office/drawing/2010/main" w="9525">
                     <a:solidFill>
                       <a:srgbClr val="000000"/>
                     </a:solidFill>
@@ -22600,7 +22600,7 @@
               </a:ln>
               <a:extLst>
                 <a:ext uri="{91240B29-F687-4f45-9708-019B960494DF}">
-                  <a14:hiddenLine xmlns:a14="http://schemas.microsoft.com/office/drawing/2010/main" xmlns="" w="9525">
+                  <a14:hiddenLine xmlns="" xmlns:a14="http://schemas.microsoft.com/office/drawing/2010/main" w="9525">
                     <a:solidFill>
                       <a:srgbClr val="000000"/>
                     </a:solidFill>
@@ -22662,7 +22662,7 @@
               </a:ln>
               <a:extLst>
                 <a:ext uri="{91240B29-F687-4f45-9708-019B960494DF}">
-                  <a14:hiddenLine xmlns:a14="http://schemas.microsoft.com/office/drawing/2010/main" xmlns="" w="9525">
+                  <a14:hiddenLine xmlns="" xmlns:a14="http://schemas.microsoft.com/office/drawing/2010/main" w="9525">
                     <a:solidFill>
                       <a:srgbClr val="000000"/>
                     </a:solidFill>
@@ -22752,7 +22752,7 @@
               </a:ln>
               <a:extLst>
                 <a:ext uri="{91240B29-F687-4f45-9708-019B960494DF}">
-                  <a14:hiddenLine xmlns:a14="http://schemas.microsoft.com/office/drawing/2010/main" xmlns="" w="9525">
+                  <a14:hiddenLine xmlns="" xmlns:a14="http://schemas.microsoft.com/office/drawing/2010/main" w="9525">
                     <a:solidFill>
                       <a:srgbClr val="000000"/>
                     </a:solidFill>
@@ -22842,7 +22842,7 @@
               </a:ln>
               <a:extLst>
                 <a:ext uri="{91240B29-F687-4f45-9708-019B960494DF}">
-                  <a14:hiddenLine xmlns:a14="http://schemas.microsoft.com/office/drawing/2010/main" xmlns="" w="9525">
+                  <a14:hiddenLine xmlns="" xmlns:a14="http://schemas.microsoft.com/office/drawing/2010/main" w="9525">
                     <a:solidFill>
                       <a:srgbClr val="000000"/>
                     </a:solidFill>
@@ -22904,7 +22904,7 @@
               </a:ln>
               <a:extLst>
                 <a:ext uri="{91240B29-F687-4f45-9708-019B960494DF}">
-                  <a14:hiddenLine xmlns:a14="http://schemas.microsoft.com/office/drawing/2010/main" xmlns="" w="9525">
+                  <a14:hiddenLine xmlns="" xmlns:a14="http://schemas.microsoft.com/office/drawing/2010/main" w="9525">
                     <a:solidFill>
                       <a:srgbClr val="000000"/>
                     </a:solidFill>
@@ -23014,7 +23014,7 @@
               </a:ln>
               <a:extLst>
                 <a:ext uri="{91240B29-F687-4f45-9708-019B960494DF}">
-                  <a14:hiddenLine xmlns:a14="http://schemas.microsoft.com/office/drawing/2010/main" xmlns="" w="9525">
+                  <a14:hiddenLine xmlns="" xmlns:a14="http://schemas.microsoft.com/office/drawing/2010/main" w="9525">
                     <a:solidFill>
                       <a:srgbClr val="000000"/>
                     </a:solidFill>
@@ -23098,7 +23098,7 @@
               </a:ln>
               <a:extLst>
                 <a:ext uri="{91240B29-F687-4f45-9708-019B960494DF}">
-                  <a14:hiddenLine xmlns:a14="http://schemas.microsoft.com/office/drawing/2010/main" xmlns="" w="9525">
+                  <a14:hiddenLine xmlns="" xmlns:a14="http://schemas.microsoft.com/office/drawing/2010/main" w="9525">
                     <a:solidFill>
                       <a:srgbClr val="000000"/>
                     </a:solidFill>
@@ -23160,7 +23160,7 @@
               </a:ln>
               <a:extLst>
                 <a:ext uri="{91240B29-F687-4f45-9708-019B960494DF}">
-                  <a14:hiddenLine xmlns:a14="http://schemas.microsoft.com/office/drawing/2010/main" xmlns="" w="9525">
+                  <a14:hiddenLine xmlns="" xmlns:a14="http://schemas.microsoft.com/office/drawing/2010/main" w="9525">
                     <a:solidFill>
                       <a:srgbClr val="000000"/>
                     </a:solidFill>
@@ -23222,7 +23222,7 @@
               </a:ln>
               <a:extLst>
                 <a:ext uri="{91240B29-F687-4f45-9708-019B960494DF}">
-                  <a14:hiddenLine xmlns:a14="http://schemas.microsoft.com/office/drawing/2010/main" xmlns="" w="9525">
+                  <a14:hiddenLine xmlns="" xmlns:a14="http://schemas.microsoft.com/office/drawing/2010/main" w="9525">
                     <a:solidFill>
                       <a:srgbClr val="000000"/>
                     </a:solidFill>
@@ -23312,7 +23312,7 @@
               </a:ln>
               <a:extLst>
                 <a:ext uri="{91240B29-F687-4f45-9708-019B960494DF}">
-                  <a14:hiddenLine xmlns:a14="http://schemas.microsoft.com/office/drawing/2010/main" xmlns="" w="9525">
+                  <a14:hiddenLine xmlns="" xmlns:a14="http://schemas.microsoft.com/office/drawing/2010/main" w="9525">
                     <a:solidFill>
                       <a:srgbClr val="000000"/>
                     </a:solidFill>
@@ -23346,7 +23346,7 @@
               </a:ln>
               <a:extLst>
                 <a:ext uri="{91240B29-F687-4f45-9708-019B960494DF}">
-                  <a14:hiddenLine xmlns:a14="http://schemas.microsoft.com/office/drawing/2010/main" xmlns="" w="9525">
+                  <a14:hiddenLine xmlns="" xmlns:a14="http://schemas.microsoft.com/office/drawing/2010/main" w="9525">
                     <a:solidFill>
                       <a:srgbClr val="000000"/>
                     </a:solidFill>
@@ -23411,7 +23411,7 @@
               </a:ln>
               <a:extLst>
                 <a:ext uri="{91240B29-F687-4f45-9708-019B960494DF}">
-                  <a14:hiddenLine xmlns:a14="http://schemas.microsoft.com/office/drawing/2010/main" xmlns="" w="9525">
+                  <a14:hiddenLine xmlns="" xmlns:a14="http://schemas.microsoft.com/office/drawing/2010/main" w="9525">
                     <a:solidFill>
                       <a:srgbClr val="000000"/>
                     </a:solidFill>
@@ -23501,7 +23501,7 @@
               </a:ln>
               <a:extLst>
                 <a:ext uri="{91240B29-F687-4f45-9708-019B960494DF}">
-                  <a14:hiddenLine xmlns:a14="http://schemas.microsoft.com/office/drawing/2010/main" xmlns="" w="9525">
+                  <a14:hiddenLine xmlns="" xmlns:a14="http://schemas.microsoft.com/office/drawing/2010/main" w="9525">
                     <a:solidFill>
                       <a:srgbClr val="000000"/>
                     </a:solidFill>
@@ -23563,7 +23563,7 @@
               </a:ln>
               <a:extLst>
                 <a:ext uri="{91240B29-F687-4f45-9708-019B960494DF}">
-                  <a14:hiddenLine xmlns:a14="http://schemas.microsoft.com/office/drawing/2010/main" xmlns="" w="9525">
+                  <a14:hiddenLine xmlns="" xmlns:a14="http://schemas.microsoft.com/office/drawing/2010/main" w="9525">
                     <a:solidFill>
                       <a:srgbClr val="000000"/>
                     </a:solidFill>
@@ -23653,7 +23653,7 @@
               </a:ln>
               <a:extLst>
                 <a:ext uri="{91240B29-F687-4f45-9708-019B960494DF}">
-                  <a14:hiddenLine xmlns:a14="http://schemas.microsoft.com/office/drawing/2010/main" xmlns="" w="9525">
+                  <a14:hiddenLine xmlns="" xmlns:a14="http://schemas.microsoft.com/office/drawing/2010/main" w="9525">
                     <a:solidFill>
                       <a:srgbClr val="000000"/>
                     </a:solidFill>
@@ -23718,7 +23718,7 @@
               </a:ln>
               <a:extLst>
                 <a:ext uri="{91240B29-F687-4f45-9708-019B960494DF}">
-                  <a14:hiddenLine xmlns:a14="http://schemas.microsoft.com/office/drawing/2010/main" xmlns="" w="9525">
+                  <a14:hiddenLine xmlns="" xmlns:a14="http://schemas.microsoft.com/office/drawing/2010/main" w="9525">
                     <a:solidFill>
                       <a:srgbClr val="000000"/>
                     </a:solidFill>
@@ -23780,7 +23780,7 @@
               </a:ln>
               <a:extLst>
                 <a:ext uri="{91240B29-F687-4f45-9708-019B960494DF}">
-                  <a14:hiddenLine xmlns:a14="http://schemas.microsoft.com/office/drawing/2010/main" xmlns="" w="9525">
+                  <a14:hiddenLine xmlns="" xmlns:a14="http://schemas.microsoft.com/office/drawing/2010/main" w="9525">
                     <a:solidFill>
                       <a:srgbClr val="000000"/>
                     </a:solidFill>
@@ -23870,7 +23870,7 @@
               </a:ln>
               <a:extLst>
                 <a:ext uri="{91240B29-F687-4f45-9708-019B960494DF}">
-                  <a14:hiddenLine xmlns:a14="http://schemas.microsoft.com/office/drawing/2010/main" xmlns="" w="9525">
+                  <a14:hiddenLine xmlns="" xmlns:a14="http://schemas.microsoft.com/office/drawing/2010/main" w="9525">
                     <a:solidFill>
                       <a:srgbClr val="000000"/>
                     </a:solidFill>
@@ -23960,7 +23960,7 @@
               </a:ln>
               <a:extLst>
                 <a:ext uri="{91240B29-F687-4f45-9708-019B960494DF}">
-                  <a14:hiddenLine xmlns:a14="http://schemas.microsoft.com/office/drawing/2010/main" xmlns="" w="9525">
+                  <a14:hiddenLine xmlns="" xmlns:a14="http://schemas.microsoft.com/office/drawing/2010/main" w="9525">
                     <a:solidFill>
                       <a:srgbClr val="000000"/>
                     </a:solidFill>
@@ -24025,7 +24025,7 @@
               </a:ln>
               <a:extLst>
                 <a:ext uri="{91240B29-F687-4f45-9708-019B960494DF}">
-                  <a14:hiddenLine xmlns:a14="http://schemas.microsoft.com/office/drawing/2010/main" xmlns="" w="9525">
+                  <a14:hiddenLine xmlns="" xmlns:a14="http://schemas.microsoft.com/office/drawing/2010/main" w="9525">
                     <a:solidFill>
                       <a:srgbClr val="000000"/>
                     </a:solidFill>
@@ -24145,7 +24145,7 @@
               </a:ln>
               <a:extLst>
                 <a:ext uri="{91240B29-F687-4f45-9708-019B960494DF}">
-                  <a14:hiddenLine xmlns:a14="http://schemas.microsoft.com/office/drawing/2010/main" xmlns="" w="9525">
+                  <a14:hiddenLine xmlns="" xmlns:a14="http://schemas.microsoft.com/office/drawing/2010/main" w="9525">
                     <a:solidFill>
                       <a:srgbClr val="000000"/>
                     </a:solidFill>
@@ -24226,7 +24226,7 @@
               </a:ln>
               <a:extLst>
                 <a:ext uri="{91240B29-F687-4f45-9708-019B960494DF}">
-                  <a14:hiddenLine xmlns:a14="http://schemas.microsoft.com/office/drawing/2010/main" xmlns="" w="9525">
+                  <a14:hiddenLine xmlns="" xmlns:a14="http://schemas.microsoft.com/office/drawing/2010/main" w="9525">
                     <a:solidFill>
                       <a:srgbClr val="000000"/>
                     </a:solidFill>
@@ -24341,7 +24341,7 @@
               </a:ln>
               <a:extLst>
                 <a:ext uri="{91240B29-F687-4f45-9708-019B960494DF}">
-                  <a14:hiddenLine xmlns:a14="http://schemas.microsoft.com/office/drawing/2010/main" xmlns="" w="9525">
+                  <a14:hiddenLine xmlns="" xmlns:a14="http://schemas.microsoft.com/office/drawing/2010/main" w="9525">
                     <a:solidFill>
                       <a:srgbClr val="000000"/>
                     </a:solidFill>
@@ -24431,7 +24431,7 @@
               </a:ln>
               <a:extLst>
                 <a:ext uri="{91240B29-F687-4f45-9708-019B960494DF}">
-                  <a14:hiddenLine xmlns:a14="http://schemas.microsoft.com/office/drawing/2010/main" xmlns="" w="9525">
+                  <a14:hiddenLine xmlns="" xmlns:a14="http://schemas.microsoft.com/office/drawing/2010/main" w="9525">
                     <a:solidFill>
                       <a:srgbClr val="000000"/>
                     </a:solidFill>
@@ -24496,7 +24496,7 @@
               </a:ln>
               <a:extLst>
                 <a:ext uri="{91240B29-F687-4f45-9708-019B960494DF}">
-                  <a14:hiddenLine xmlns:a14="http://schemas.microsoft.com/office/drawing/2010/main" xmlns="" w="9525">
+                  <a14:hiddenLine xmlns="" xmlns:a14="http://schemas.microsoft.com/office/drawing/2010/main" w="9525">
                     <a:solidFill>
                       <a:srgbClr val="000000"/>
                     </a:solidFill>
@@ -24586,7 +24586,7 @@
               </a:ln>
               <a:extLst>
                 <a:ext uri="{91240B29-F687-4f45-9708-019B960494DF}">
-                  <a14:hiddenLine xmlns:a14="http://schemas.microsoft.com/office/drawing/2010/main" xmlns="" w="9525">
+                  <a14:hiddenLine xmlns="" xmlns:a14="http://schemas.microsoft.com/office/drawing/2010/main" w="9525">
                     <a:solidFill>
                       <a:srgbClr val="000000"/>
                     </a:solidFill>
@@ -24654,7 +24654,7 @@
               </a:ln>
               <a:extLst>
                 <a:ext uri="{91240B29-F687-4f45-9708-019B960494DF}">
-                  <a14:hiddenLine xmlns:a14="http://schemas.microsoft.com/office/drawing/2010/main" xmlns="" w="9525">
+                  <a14:hiddenLine xmlns="" xmlns:a14="http://schemas.microsoft.com/office/drawing/2010/main" w="9525">
                     <a:solidFill>
                       <a:srgbClr val="000000"/>
                     </a:solidFill>
@@ -24744,7 +24744,7 @@
               </a:ln>
               <a:extLst>
                 <a:ext uri="{91240B29-F687-4f45-9708-019B960494DF}">
-                  <a14:hiddenLine xmlns:a14="http://schemas.microsoft.com/office/drawing/2010/main" xmlns="" w="9525">
+                  <a14:hiddenLine xmlns="" xmlns:a14="http://schemas.microsoft.com/office/drawing/2010/main" w="9525">
                     <a:solidFill>
                       <a:srgbClr val="000000"/>
                     </a:solidFill>
@@ -24812,7 +24812,7 @@
               </a:ln>
               <a:extLst>
                 <a:ext uri="{91240B29-F687-4f45-9708-019B960494DF}">
-                  <a14:hiddenLine xmlns:a14="http://schemas.microsoft.com/office/drawing/2010/main" xmlns="" w="9525">
+                  <a14:hiddenLine xmlns="" xmlns:a14="http://schemas.microsoft.com/office/drawing/2010/main" w="9525">
                     <a:solidFill>
                       <a:srgbClr val="000000"/>
                     </a:solidFill>
@@ -24902,7 +24902,7 @@
               </a:ln>
               <a:extLst>
                 <a:ext uri="{91240B29-F687-4f45-9708-019B960494DF}">
-                  <a14:hiddenLine xmlns:a14="http://schemas.microsoft.com/office/drawing/2010/main" xmlns="" w="9525">
+                  <a14:hiddenLine xmlns="" xmlns:a14="http://schemas.microsoft.com/office/drawing/2010/main" w="9525">
                     <a:solidFill>
                       <a:srgbClr val="000000"/>
                     </a:solidFill>
@@ -24936,7 +24936,7 @@
               </a:ln>
               <a:extLst>
                 <a:ext uri="{91240B29-F687-4f45-9708-019B960494DF}">
-                  <a14:hiddenLine xmlns:a14="http://schemas.microsoft.com/office/drawing/2010/main" xmlns="" w="9525">
+                  <a14:hiddenLine xmlns="" xmlns:a14="http://schemas.microsoft.com/office/drawing/2010/main" w="9525">
                     <a:solidFill>
                       <a:srgbClr val="000000"/>
                     </a:solidFill>
@@ -25076,7 +25076,7 @@
           <a:p>
             <a:fld id="{34385ADE-30C0-45E4-B40B-2905F94F61E2}" type="datetimeFigureOut">
               <a:rPr lang="en-US" smtClean="0"/>
-              <a:t>8/8/2020</a:t>
+              <a:t>8/9/2020</a:t>
             </a:fld>
             <a:endParaRPr lang="en-US"/>
           </a:p>
@@ -27659,8 +27659,8 @@
           </p:sp>
         </mc:Fallback>
       </mc:AlternateContent>
-      <mc:AlternateContent xmlns:mc="http://schemas.openxmlformats.org/markup-compatibility/2006" xmlns:a14="http://schemas.microsoft.com/office/drawing/2010/main">
-        <mc:Choice Requires="a14">
+      <mc:AlternateContent xmlns:mc="http://schemas.openxmlformats.org/markup-compatibility/2006">
+        <mc:Choice xmlns:a14="http://schemas.microsoft.com/office/drawing/2010/main" Requires="a14">
           <p:sp>
             <p:nvSpPr>
               <p:cNvPr id="5" name="TextBox 4"/>
@@ -27733,7 +27733,7 @@
                             <a:rPr lang="en-US" sz="2400" b="0" i="1" smtClean="0">
                               <a:latin typeface="Cambria Math" panose="02040503050406030204" pitchFamily="18" charset="0"/>
                             </a:rPr>
-                            <m:t>𝑁</m:t>
+                            <m:t>𝑀</m:t>
                           </m:r>
                         </m:sup>
                         <m:e>
@@ -27803,7 +27803,7 @@
             </p:txBody>
           </p:sp>
         </mc:Choice>
-        <mc:Fallback xmlns="">
+        <mc:Fallback>
           <p:sp>
             <p:nvSpPr>
               <p:cNvPr id="5" name="TextBox 4"/>
@@ -29677,8 +29677,8 @@
           </p:sp>
         </mc:Fallback>
       </mc:AlternateContent>
-      <mc:AlternateContent xmlns:mc="http://schemas.openxmlformats.org/markup-compatibility/2006" xmlns:a14="http://schemas.microsoft.com/office/drawing/2010/main">
-        <mc:Choice Requires="a14">
+      <mc:AlternateContent xmlns:mc="http://schemas.openxmlformats.org/markup-compatibility/2006">
+        <mc:Choice xmlns:a14="http://schemas.microsoft.com/office/drawing/2010/main" Requires="a14">
           <p:sp>
             <p:nvSpPr>
               <p:cNvPr id="5" name="TextBox 4"/>
@@ -29751,7 +29751,7 @@
                             <a:rPr lang="en-US" sz="2400" b="0" i="1" smtClean="0">
                               <a:latin typeface="Cambria Math" panose="02040503050406030204" pitchFamily="18" charset="0"/>
                             </a:rPr>
-                            <m:t>𝑁</m:t>
+                            <m:t>𝑀</m:t>
                           </m:r>
                         </m:sup>
                         <m:e>
@@ -29821,7 +29821,7 @@
             </p:txBody>
           </p:sp>
         </mc:Choice>
-        <mc:Fallback xmlns="">
+        <mc:Fallback>
           <p:sp>
             <p:nvSpPr>
               <p:cNvPr id="5" name="TextBox 4"/>
@@ -29891,8 +29891,8 @@
           </a:fontRef>
         </p:style>
       </p:cxnSp>
-      <mc:AlternateContent xmlns:mc="http://schemas.openxmlformats.org/markup-compatibility/2006" xmlns:a14="http://schemas.microsoft.com/office/drawing/2010/main">
-        <mc:Choice Requires="a14">
+      <mc:AlternateContent xmlns:mc="http://schemas.openxmlformats.org/markup-compatibility/2006">
+        <mc:Choice xmlns:a14="http://schemas.microsoft.com/office/drawing/2010/main" Requires="a14">
           <p:sp>
             <p:nvSpPr>
               <p:cNvPr id="14" name="TextBox 13"/>
@@ -29965,7 +29965,7 @@
                             <a:rPr lang="en-US" sz="2400" b="0" i="1" smtClean="0">
                               <a:latin typeface="Cambria Math" panose="02040503050406030204" pitchFamily="18" charset="0"/>
                             </a:rPr>
-                            <m:t>𝑁</m:t>
+                            <m:t>𝑀</m:t>
                           </m:r>
                         </m:sup>
                         <m:e>
@@ -30035,7 +30035,7 @@
             </p:txBody>
           </p:sp>
         </mc:Choice>
-        <mc:Fallback xmlns="">
+        <mc:Fallback>
           <p:sp>
             <p:nvSpPr>
               <p:cNvPr id="14" name="TextBox 13"/>
@@ -36171,8 +36171,8 @@
           <a:lstStyle/>
           <a:p>
             <a:r>
-              <a:rPr lang="en-US" dirty="0"/>
-              <a:t>binary </a:t>
+              <a:rPr lang="en-US" dirty="0" smtClean="0"/>
+              <a:t>multiclass </a:t>
             </a:r>
             <a:r>
               <a:rPr lang="en-US" dirty="0" smtClean="0"/>
